--- a/Презентация ВКР Кривонос А. обновленная.pptx
+++ b/Презентация ВКР Кривонос А. обновленная.pptx
@@ -5,7 +5,7 @@
     <p:sldMasterId id="2147483648" r:id="rId1"/>
   </p:sldMasterIdLst>
   <p:notesMasterIdLst>
-    <p:notesMasterId r:id="rId16"/>
+    <p:notesMasterId r:id="rId17"/>
   </p:notesMasterIdLst>
   <p:sldIdLst>
     <p:sldId id="256" r:id="rId2"/>
@@ -20,31 +20,32 @@
     <p:sldId id="272" r:id="rId11"/>
     <p:sldId id="273" r:id="rId12"/>
     <p:sldId id="279" r:id="rId13"/>
-    <p:sldId id="280" r:id="rId14"/>
-    <p:sldId id="260" r:id="rId15"/>
+    <p:sldId id="281" r:id="rId14"/>
+    <p:sldId id="280" r:id="rId15"/>
+    <p:sldId id="260" r:id="rId16"/>
   </p:sldIdLst>
   <p:sldSz cx="12192000" cy="6858000"/>
   <p:notesSz cx="6858000" cy="9144000"/>
   <p:embeddedFontLst>
     <p:embeddedFont>
-      <p:font typeface="Open Sans" panose="020B0604020202020204" charset="0"/>
-      <p:regular r:id="rId17"/>
-      <p:bold r:id="rId18"/>
-      <p:italic r:id="rId19"/>
-      <p:boldItalic r:id="rId20"/>
+      <p:font typeface="ALS Sector Regular" panose="020B0604020202020204" charset="0"/>
+      <p:regular r:id="rId18"/>
     </p:embeddedFont>
     <p:embeddedFont>
       <p:font typeface="Noto Sans Symbols" panose="020B0604020202020204" charset="0"/>
-      <p:regular r:id="rId21"/>
-      <p:bold r:id="rId22"/>
+      <p:regular r:id="rId19"/>
+      <p:bold r:id="rId20"/>
     </p:embeddedFont>
     <p:embeddedFont>
       <p:font typeface="ALS Sector Bold" panose="020B0604020202020204" charset="0"/>
-      <p:bold r:id="rId23"/>
+      <p:bold r:id="rId21"/>
     </p:embeddedFont>
     <p:embeddedFont>
-      <p:font typeface="ALS Sector Regular" panose="020B0604020202020204" charset="0"/>
-      <p:regular r:id="rId24"/>
+      <p:font typeface="Open Sans" panose="020B0604020202020204" charset="0"/>
+      <p:regular r:id="rId22"/>
+      <p:bold r:id="rId23"/>
+      <p:italic r:id="rId24"/>
+      <p:boldItalic r:id="rId25"/>
     </p:embeddedFont>
   </p:embeddedFontLst>
   <p:defaultTextStyle>
@@ -300,7 +301,7 @@
       <p15:notesGuideLst xmlns:p15="http://schemas.microsoft.com/office/powerpoint/2012/main"/>
     </p:ext>
     <p:ext uri="http://customooxmlschemas.google.com/">
-      <go:slidesCustomData xmlns:go="http://customooxmlschemas.google.com/" xmlns:ahyp="http://schemas.microsoft.com/office/drawing/2018/hyperlinkcolor" xmlns:p15="http://schemas.microsoft.com/office/powerpoint/2012/main" xmlns:p14="http://schemas.microsoft.com/office/powerpoint/2010/main" xmlns:com="http://schemas.openxmlformats.org/drawingml/2006/compatibility" xmlns:pvml="urn:schemas-microsoft-com:office:powerpoint" xmlns:v="urn:schemas-microsoft-com:vml" xmlns:o="urn:schemas-microsoft-com:office:office" xmlns:dgm="http://schemas.openxmlformats.org/drawingml/2006/diagram" xmlns:c="http://schemas.openxmlformats.org/drawingml/2006/chart" xmlns:mv="urn:schemas-microsoft-com:mac:vml" xmlns:mc="http://schemas.openxmlformats.org/markup-compatibility/2006" xmlns="" r:id="rId25" roundtripDataSignature="AMtx7mg2fLzW2NWhC2ejww7VA5lENbgL/Q=="/>
+      <go:slidesCustomData xmlns:go="http://customooxmlschemas.google.com/" xmlns:ahyp="http://schemas.microsoft.com/office/drawing/2018/hyperlinkcolor" xmlns:p15="http://schemas.microsoft.com/office/powerpoint/2012/main" xmlns:p14="http://schemas.microsoft.com/office/powerpoint/2010/main" xmlns:com="http://schemas.openxmlformats.org/drawingml/2006/compatibility" xmlns:pvml="urn:schemas-microsoft-com:office:powerpoint" xmlns:v="urn:schemas-microsoft-com:vml" xmlns:o="urn:schemas-microsoft-com:office:office" xmlns:dgm="http://schemas.openxmlformats.org/drawingml/2006/diagram" xmlns:c="http://schemas.openxmlformats.org/drawingml/2006/chart" xmlns:mv="urn:schemas-microsoft-com:mac:vml" xmlns:mc="http://schemas.openxmlformats.org/markup-compatibility/2006" xmlns="" r:id="rId26" roundtripDataSignature="AMtx7mg2fLzW2NWhC2ejww7VA5lENbgL/Q=="/>
     </p:ext>
   </p:extLst>
 </p:presentation>
@@ -7965,7 +7966,6 @@
               <a:rPr lang="ru-RU" sz="2400" dirty="0"/>
               <a:t>Количество эпох задано 20.</a:t>
             </a:r>
-            <a:endParaRPr lang="ru-RU" sz="2400" dirty="0"/>
           </a:p>
         </p:txBody>
       </p:sp>
@@ -8509,7 +8509,6 @@
               <a:rPr lang="ru-RU" sz="2200" dirty="0"/>
               <a:t>Разработка нейронной сети, способной точно предсказывать интересующий параметр при небольшом размере сети, является значительным достижением.</a:t>
             </a:r>
-            <a:endParaRPr lang="ru-RU" sz="2200" dirty="0"/>
           </a:p>
         </p:txBody>
       </p:sp>
@@ -8981,6 +8980,13 @@
       </p:transition>
     </mc:Fallback>
   </mc:AlternateContent>
+  <p:timing>
+    <p:tnLst>
+      <p:par>
+        <p:cTn id="1" dur="indefinite" restart="never" nodeType="tmRoot"/>
+      </p:par>
+    </p:tnLst>
+  </p:timing>
 </p:sld>
 </file>
 
@@ -9028,6 +9034,515 @@
             <a:fld id="{00000000-1234-1234-1234-123412341234}" type="slidenum">
               <a:rPr lang="ru-RU" smtClean="0"/>
               <a:t>13</a:t>
+            </a:fld>
+            <a:endParaRPr lang="ru-RU" dirty="0"/>
+          </a:p>
+        </p:txBody>
+      </p:sp>
+      <p:sp>
+        <p:nvSpPr>
+          <p:cNvPr id="4" name="Текст 3"/>
+          <p:cNvSpPr>
+            <a:spLocks noGrp="1"/>
+          </p:cNvSpPr>
+          <p:nvPr>
+            <p:ph type="body" idx="2"/>
+          </p:nvPr>
+        </p:nvSpPr>
+        <p:spPr>
+          <a:xfrm>
+            <a:off x="273628" y="3572933"/>
+            <a:ext cx="4162905" cy="2390740"/>
+          </a:xfrm>
+        </p:spPr>
+        <p:txBody>
+          <a:bodyPr>
+            <a:normAutofit/>
+          </a:bodyPr>
+          <a:lstStyle/>
+          <a:p>
+            <a:r>
+              <a:rPr lang="ru-RU" sz="1800" i="1" dirty="0" smtClean="0"/>
+              <a:t>Приложение разработано в </a:t>
+            </a:r>
+            <a:r>
+              <a:rPr lang="en-US" sz="1800" i="1" dirty="0" err="1" smtClean="0"/>
+              <a:t>PyCharm</a:t>
+            </a:r>
+            <a:r>
+              <a:rPr lang="en-US" sz="1800" i="1" dirty="0" smtClean="0"/>
+              <a:t> </a:t>
+            </a:r>
+            <a:r>
+              <a:rPr lang="ru-RU" sz="1800" i="1" dirty="0" smtClean="0"/>
+              <a:t>для запуска из командной строки - расчет срока окупаемости внедрения ПО в зависимости от заданных условий</a:t>
+            </a:r>
+            <a:endParaRPr lang="ru-RU" sz="1800" i="1" dirty="0"/>
+          </a:p>
+        </p:txBody>
+      </p:sp>
+      <p:grpSp>
+        <p:nvGrpSpPr>
+          <p:cNvPr id="6" name="Группа 5">
+            <a:extLst>
+              <a:ext uri="{FF2B5EF4-FFF2-40B4-BE49-F238E27FC236}">
+                <a16:creationId xmlns:a16="http://schemas.microsoft.com/office/drawing/2014/main" id="{B431A07B-4120-45A8-87F5-FD0B7543B02C}"/>
+              </a:ext>
+            </a:extLst>
+          </p:cNvPr>
+          <p:cNvGrpSpPr/>
+          <p:nvPr/>
+        </p:nvGrpSpPr>
+        <p:grpSpPr>
+          <a:xfrm>
+            <a:off x="3167879" y="469293"/>
+            <a:ext cx="8421147" cy="666000"/>
+            <a:chOff x="1476753" y="3499669"/>
+            <a:chExt cx="4619247" cy="666000"/>
+          </a:xfrm>
+        </p:grpSpPr>
+        <p:sp>
+          <p:nvSpPr>
+            <p:cNvPr id="7" name="Прямоугольник 6">
+              <a:extLst>
+                <a:ext uri="{FF2B5EF4-FFF2-40B4-BE49-F238E27FC236}">
+                  <a16:creationId xmlns:a16="http://schemas.microsoft.com/office/drawing/2014/main" id="{B408C17F-C4A9-45C8-85FF-C29DBCECDC7D}"/>
+                </a:ext>
+              </a:extLst>
+            </p:cNvPr>
+            <p:cNvSpPr/>
+            <p:nvPr/>
+          </p:nvSpPr>
+          <p:spPr>
+            <a:xfrm>
+              <a:off x="1476753" y="3499669"/>
+              <a:ext cx="4619247" cy="666000"/>
+            </a:xfrm>
+            <a:prstGeom prst="rect">
+              <a:avLst/>
+            </a:prstGeom>
+            <a:solidFill>
+              <a:schemeClr val="bg1"/>
+            </a:solidFill>
+            <a:ln>
+              <a:solidFill>
+                <a:schemeClr val="bg1"/>
+              </a:solidFill>
+            </a:ln>
+          </p:spPr>
+          <p:style>
+            <a:lnRef idx="2">
+              <a:schemeClr val="accent1">
+                <a:shade val="50000"/>
+              </a:schemeClr>
+            </a:lnRef>
+            <a:fillRef idx="1">
+              <a:schemeClr val="accent1"/>
+            </a:fillRef>
+            <a:effectRef idx="0">
+              <a:schemeClr val="accent1"/>
+            </a:effectRef>
+            <a:fontRef idx="minor">
+              <a:schemeClr val="lt1"/>
+            </a:fontRef>
+          </p:style>
+          <p:txBody>
+            <a:bodyPr rtlCol="0" anchor="ctr"/>
+            <a:lstStyle/>
+            <a:p>
+              <a:pPr algn="ctr"/>
+              <a:r>
+                <a:rPr lang="ru-RU" sz="2800" dirty="0">
+                  <a:solidFill>
+                    <a:schemeClr val="tx2">
+                      <a:lumMod val="10000"/>
+                    </a:schemeClr>
+                  </a:solidFill>
+                </a:rPr>
+                <a:t>Разработка приложения</a:t>
+              </a:r>
+            </a:p>
+          </p:txBody>
+        </p:sp>
+        <p:sp>
+          <p:nvSpPr>
+            <p:cNvPr id="8" name="Прямоугольник 58">
+              <a:extLst>
+                <a:ext uri="{FF2B5EF4-FFF2-40B4-BE49-F238E27FC236}">
+                  <a16:creationId xmlns:a16="http://schemas.microsoft.com/office/drawing/2014/main" id="{8A2D04C4-68FF-4B8C-B3A7-621C55C3D8E2}"/>
+                </a:ext>
+              </a:extLst>
+            </p:cNvPr>
+            <p:cNvSpPr/>
+            <p:nvPr/>
+          </p:nvSpPr>
+          <p:spPr>
+            <a:xfrm rot="10800000" flipH="1">
+              <a:off x="1476754" y="3499669"/>
+              <a:ext cx="76579" cy="666000"/>
+            </a:xfrm>
+            <a:custGeom>
+              <a:avLst/>
+              <a:gdLst>
+                <a:gd name="connsiteX0" fmla="*/ 0 w 424732"/>
+                <a:gd name="connsiteY0" fmla="*/ 0 h 424732"/>
+                <a:gd name="connsiteX1" fmla="*/ 424732 w 424732"/>
+                <a:gd name="connsiteY1" fmla="*/ 0 h 424732"/>
+                <a:gd name="connsiteX2" fmla="*/ 424732 w 424732"/>
+                <a:gd name="connsiteY2" fmla="*/ 424732 h 424732"/>
+                <a:gd name="connsiteX3" fmla="*/ 0 w 424732"/>
+                <a:gd name="connsiteY3" fmla="*/ 424732 h 424732"/>
+                <a:gd name="connsiteX4" fmla="*/ 0 w 424732"/>
+                <a:gd name="connsiteY4" fmla="*/ 0 h 424732"/>
+                <a:gd name="connsiteX0" fmla="*/ 0 w 425450"/>
+                <a:gd name="connsiteY0" fmla="*/ 0 h 424732"/>
+                <a:gd name="connsiteX1" fmla="*/ 424732 w 425450"/>
+                <a:gd name="connsiteY1" fmla="*/ 0 h 424732"/>
+                <a:gd name="connsiteX2" fmla="*/ 425450 w 425450"/>
+                <a:gd name="connsiteY2" fmla="*/ 238890 h 424732"/>
+                <a:gd name="connsiteX3" fmla="*/ 424732 w 425450"/>
+                <a:gd name="connsiteY3" fmla="*/ 424732 h 424732"/>
+                <a:gd name="connsiteX4" fmla="*/ 0 w 425450"/>
+                <a:gd name="connsiteY4" fmla="*/ 424732 h 424732"/>
+                <a:gd name="connsiteX5" fmla="*/ 0 w 425450"/>
+                <a:gd name="connsiteY5" fmla="*/ 0 h 424732"/>
+                <a:gd name="connsiteX0" fmla="*/ 425450 w 516890"/>
+                <a:gd name="connsiteY0" fmla="*/ 238890 h 424732"/>
+                <a:gd name="connsiteX1" fmla="*/ 424732 w 516890"/>
+                <a:gd name="connsiteY1" fmla="*/ 424732 h 424732"/>
+                <a:gd name="connsiteX2" fmla="*/ 0 w 516890"/>
+                <a:gd name="connsiteY2" fmla="*/ 424732 h 424732"/>
+                <a:gd name="connsiteX3" fmla="*/ 0 w 516890"/>
+                <a:gd name="connsiteY3" fmla="*/ 0 h 424732"/>
+                <a:gd name="connsiteX4" fmla="*/ 424732 w 516890"/>
+                <a:gd name="connsiteY4" fmla="*/ 0 h 424732"/>
+                <a:gd name="connsiteX5" fmla="*/ 516890 w 516890"/>
+                <a:gd name="connsiteY5" fmla="*/ 330330 h 424732"/>
+                <a:gd name="connsiteX0" fmla="*/ 424732 w 516890"/>
+                <a:gd name="connsiteY0" fmla="*/ 424732 h 424732"/>
+                <a:gd name="connsiteX1" fmla="*/ 0 w 516890"/>
+                <a:gd name="connsiteY1" fmla="*/ 424732 h 424732"/>
+                <a:gd name="connsiteX2" fmla="*/ 0 w 516890"/>
+                <a:gd name="connsiteY2" fmla="*/ 0 h 424732"/>
+                <a:gd name="connsiteX3" fmla="*/ 424732 w 516890"/>
+                <a:gd name="connsiteY3" fmla="*/ 0 h 424732"/>
+                <a:gd name="connsiteX4" fmla="*/ 516890 w 516890"/>
+                <a:gd name="connsiteY4" fmla="*/ 330330 h 424732"/>
+                <a:gd name="connsiteX0" fmla="*/ 424732 w 424732"/>
+                <a:gd name="connsiteY0" fmla="*/ 424732 h 424732"/>
+                <a:gd name="connsiteX1" fmla="*/ 0 w 424732"/>
+                <a:gd name="connsiteY1" fmla="*/ 424732 h 424732"/>
+                <a:gd name="connsiteX2" fmla="*/ 0 w 424732"/>
+                <a:gd name="connsiteY2" fmla="*/ 0 h 424732"/>
+                <a:gd name="connsiteX3" fmla="*/ 424732 w 424732"/>
+                <a:gd name="connsiteY3" fmla="*/ 0 h 424732"/>
+              </a:gdLst>
+              <a:ahLst/>
+              <a:cxnLst>
+                <a:cxn ang="0">
+                  <a:pos x="connsiteX0" y="connsiteY0"/>
+                </a:cxn>
+                <a:cxn ang="0">
+                  <a:pos x="connsiteX1" y="connsiteY1"/>
+                </a:cxn>
+                <a:cxn ang="0">
+                  <a:pos x="connsiteX2" y="connsiteY2"/>
+                </a:cxn>
+                <a:cxn ang="0">
+                  <a:pos x="connsiteX3" y="connsiteY3"/>
+                </a:cxn>
+              </a:cxnLst>
+              <a:rect l="l" t="t" r="r" b="b"/>
+              <a:pathLst>
+                <a:path w="424732" h="424732">
+                  <a:moveTo>
+                    <a:pt x="424732" y="424732"/>
+                  </a:moveTo>
+                  <a:lnTo>
+                    <a:pt x="0" y="424732"/>
+                  </a:lnTo>
+                  <a:lnTo>
+                    <a:pt x="0" y="0"/>
+                  </a:lnTo>
+                  <a:lnTo>
+                    <a:pt x="424732" y="0"/>
+                  </a:lnTo>
+                </a:path>
+              </a:pathLst>
+            </a:custGeom>
+            <a:ln w="16510">
+              <a:solidFill>
+                <a:srgbClr val="065CAB"/>
+              </a:solidFill>
+            </a:ln>
+          </p:spPr>
+          <p:style>
+            <a:lnRef idx="1">
+              <a:schemeClr val="accent1"/>
+            </a:lnRef>
+            <a:fillRef idx="0">
+              <a:schemeClr val="accent1"/>
+            </a:fillRef>
+            <a:effectRef idx="0">
+              <a:schemeClr val="accent1"/>
+            </a:effectRef>
+            <a:fontRef idx="minor">
+              <a:schemeClr val="tx1"/>
+            </a:fontRef>
+          </p:style>
+          <p:txBody>
+            <a:bodyPr rtlCol="0" anchor="ctr"/>
+            <a:lstStyle/>
+            <a:p>
+              <a:pPr algn="ctr"/>
+              <a:endParaRPr lang="ru-RU" dirty="0">
+                <a:latin typeface="ALS Sector Regular" panose="02000000000000000000" pitchFamily="2" charset="0"/>
+              </a:endParaRPr>
+            </a:p>
+          </p:txBody>
+        </p:sp>
+        <p:sp>
+          <p:nvSpPr>
+            <p:cNvPr id="9" name="Прямоугольник 58">
+              <a:extLst>
+                <a:ext uri="{FF2B5EF4-FFF2-40B4-BE49-F238E27FC236}">
+                  <a16:creationId xmlns:a16="http://schemas.microsoft.com/office/drawing/2014/main" id="{9DDB7652-1549-4D3B-8E35-D14E582606C3}"/>
+                </a:ext>
+              </a:extLst>
+            </p:cNvPr>
+            <p:cNvSpPr>
+              <a:spLocks noChangeAspect="1"/>
+            </p:cNvSpPr>
+            <p:nvPr/>
+          </p:nvSpPr>
+          <p:spPr>
+            <a:xfrm flipH="1">
+              <a:off x="6005951" y="3499669"/>
+              <a:ext cx="90049" cy="666000"/>
+            </a:xfrm>
+            <a:custGeom>
+              <a:avLst/>
+              <a:gdLst>
+                <a:gd name="connsiteX0" fmla="*/ 0 w 424732"/>
+                <a:gd name="connsiteY0" fmla="*/ 0 h 424732"/>
+                <a:gd name="connsiteX1" fmla="*/ 424732 w 424732"/>
+                <a:gd name="connsiteY1" fmla="*/ 0 h 424732"/>
+                <a:gd name="connsiteX2" fmla="*/ 424732 w 424732"/>
+                <a:gd name="connsiteY2" fmla="*/ 424732 h 424732"/>
+                <a:gd name="connsiteX3" fmla="*/ 0 w 424732"/>
+                <a:gd name="connsiteY3" fmla="*/ 424732 h 424732"/>
+                <a:gd name="connsiteX4" fmla="*/ 0 w 424732"/>
+                <a:gd name="connsiteY4" fmla="*/ 0 h 424732"/>
+                <a:gd name="connsiteX0" fmla="*/ 0 w 425450"/>
+                <a:gd name="connsiteY0" fmla="*/ 0 h 424732"/>
+                <a:gd name="connsiteX1" fmla="*/ 424732 w 425450"/>
+                <a:gd name="connsiteY1" fmla="*/ 0 h 424732"/>
+                <a:gd name="connsiteX2" fmla="*/ 425450 w 425450"/>
+                <a:gd name="connsiteY2" fmla="*/ 238890 h 424732"/>
+                <a:gd name="connsiteX3" fmla="*/ 424732 w 425450"/>
+                <a:gd name="connsiteY3" fmla="*/ 424732 h 424732"/>
+                <a:gd name="connsiteX4" fmla="*/ 0 w 425450"/>
+                <a:gd name="connsiteY4" fmla="*/ 424732 h 424732"/>
+                <a:gd name="connsiteX5" fmla="*/ 0 w 425450"/>
+                <a:gd name="connsiteY5" fmla="*/ 0 h 424732"/>
+                <a:gd name="connsiteX0" fmla="*/ 425450 w 516890"/>
+                <a:gd name="connsiteY0" fmla="*/ 238890 h 424732"/>
+                <a:gd name="connsiteX1" fmla="*/ 424732 w 516890"/>
+                <a:gd name="connsiteY1" fmla="*/ 424732 h 424732"/>
+                <a:gd name="connsiteX2" fmla="*/ 0 w 516890"/>
+                <a:gd name="connsiteY2" fmla="*/ 424732 h 424732"/>
+                <a:gd name="connsiteX3" fmla="*/ 0 w 516890"/>
+                <a:gd name="connsiteY3" fmla="*/ 0 h 424732"/>
+                <a:gd name="connsiteX4" fmla="*/ 424732 w 516890"/>
+                <a:gd name="connsiteY4" fmla="*/ 0 h 424732"/>
+                <a:gd name="connsiteX5" fmla="*/ 516890 w 516890"/>
+                <a:gd name="connsiteY5" fmla="*/ 330330 h 424732"/>
+                <a:gd name="connsiteX0" fmla="*/ 424732 w 516890"/>
+                <a:gd name="connsiteY0" fmla="*/ 424732 h 424732"/>
+                <a:gd name="connsiteX1" fmla="*/ 0 w 516890"/>
+                <a:gd name="connsiteY1" fmla="*/ 424732 h 424732"/>
+                <a:gd name="connsiteX2" fmla="*/ 0 w 516890"/>
+                <a:gd name="connsiteY2" fmla="*/ 0 h 424732"/>
+                <a:gd name="connsiteX3" fmla="*/ 424732 w 516890"/>
+                <a:gd name="connsiteY3" fmla="*/ 0 h 424732"/>
+                <a:gd name="connsiteX4" fmla="*/ 516890 w 516890"/>
+                <a:gd name="connsiteY4" fmla="*/ 330330 h 424732"/>
+                <a:gd name="connsiteX0" fmla="*/ 424732 w 424732"/>
+                <a:gd name="connsiteY0" fmla="*/ 424732 h 424732"/>
+                <a:gd name="connsiteX1" fmla="*/ 0 w 424732"/>
+                <a:gd name="connsiteY1" fmla="*/ 424732 h 424732"/>
+                <a:gd name="connsiteX2" fmla="*/ 0 w 424732"/>
+                <a:gd name="connsiteY2" fmla="*/ 0 h 424732"/>
+                <a:gd name="connsiteX3" fmla="*/ 424732 w 424732"/>
+                <a:gd name="connsiteY3" fmla="*/ 0 h 424732"/>
+              </a:gdLst>
+              <a:ahLst/>
+              <a:cxnLst>
+                <a:cxn ang="0">
+                  <a:pos x="connsiteX0" y="connsiteY0"/>
+                </a:cxn>
+                <a:cxn ang="0">
+                  <a:pos x="connsiteX1" y="connsiteY1"/>
+                </a:cxn>
+                <a:cxn ang="0">
+                  <a:pos x="connsiteX2" y="connsiteY2"/>
+                </a:cxn>
+                <a:cxn ang="0">
+                  <a:pos x="connsiteX3" y="connsiteY3"/>
+                </a:cxn>
+              </a:cxnLst>
+              <a:rect l="l" t="t" r="r" b="b"/>
+              <a:pathLst>
+                <a:path w="424732" h="424732">
+                  <a:moveTo>
+                    <a:pt x="424732" y="424732"/>
+                  </a:moveTo>
+                  <a:lnTo>
+                    <a:pt x="0" y="424732"/>
+                  </a:lnTo>
+                  <a:lnTo>
+                    <a:pt x="0" y="0"/>
+                  </a:lnTo>
+                  <a:lnTo>
+                    <a:pt x="424732" y="0"/>
+                  </a:lnTo>
+                </a:path>
+              </a:pathLst>
+            </a:custGeom>
+            <a:ln w="16510">
+              <a:solidFill>
+                <a:srgbClr val="0046A2"/>
+              </a:solidFill>
+            </a:ln>
+          </p:spPr>
+          <p:style>
+            <a:lnRef idx="1">
+              <a:schemeClr val="accent1"/>
+            </a:lnRef>
+            <a:fillRef idx="0">
+              <a:schemeClr val="accent1"/>
+            </a:fillRef>
+            <a:effectRef idx="0">
+              <a:schemeClr val="accent1"/>
+            </a:effectRef>
+            <a:fontRef idx="minor">
+              <a:schemeClr val="tx1"/>
+            </a:fontRef>
+          </p:style>
+          <p:txBody>
+            <a:bodyPr rtlCol="0" anchor="ctr"/>
+            <a:lstStyle/>
+            <a:p>
+              <a:pPr algn="ctr"/>
+              <a:endParaRPr lang="ru-RU" dirty="0">
+                <a:solidFill>
+                  <a:srgbClr val="065CAB"/>
+                </a:solidFill>
+                <a:latin typeface="ALS Sector Regular" panose="02000000000000000000" pitchFamily="2" charset="0"/>
+              </a:endParaRPr>
+            </a:p>
+          </p:txBody>
+        </p:sp>
+      </p:grpSp>
+      <p:pic>
+        <p:nvPicPr>
+          <p:cNvPr id="11" name="Рисунок 10"/>
+          <p:cNvPicPr>
+            <a:picLocks noChangeAspect="1"/>
+          </p:cNvPicPr>
+          <p:nvPr/>
+        </p:nvPicPr>
+        <p:blipFill rotWithShape="1">
+          <a:blip r:embed="rId2"/>
+          <a:srcRect b="4373"/>
+          <a:stretch/>
+        </p:blipFill>
+        <p:spPr>
+          <a:xfrm>
+            <a:off x="4292746" y="1366999"/>
+            <a:ext cx="7296280" cy="3924667"/>
+          </a:xfrm>
+          <a:prstGeom prst="rect">
+            <a:avLst/>
+          </a:prstGeom>
+        </p:spPr>
+      </p:pic>
+    </p:spTree>
+    <p:extLst>
+      <p:ext uri="{BB962C8B-B14F-4D97-AF65-F5344CB8AC3E}">
+        <p14:creationId xmlns:p14="http://schemas.microsoft.com/office/powerpoint/2010/main" val="3610742361"/>
+      </p:ext>
+    </p:extLst>
+  </p:cSld>
+  <p:clrMapOvr>
+    <a:masterClrMapping/>
+  </p:clrMapOvr>
+  <mc:AlternateContent xmlns:mc="http://schemas.openxmlformats.org/markup-compatibility/2006" xmlns:p14="http://schemas.microsoft.com/office/powerpoint/2010/main">
+    <mc:Choice Requires="p14">
+      <p:transition spd="slow" p14:dur="2500">
+        <p:checker dir="vert"/>
+      </p:transition>
+    </mc:Choice>
+    <mc:Fallback xmlns="">
+      <p:transition spd="slow">
+        <p:checker dir="vert"/>
+      </p:transition>
+    </mc:Fallback>
+  </mc:AlternateContent>
+  <p:timing>
+    <p:tnLst>
+      <p:par>
+        <p:cTn id="1" dur="indefinite" restart="never" nodeType="tmRoot"/>
+      </p:par>
+    </p:tnLst>
+  </p:timing>
+</p:sld>
+</file>
+
+<file path=ppt/slides/slide14.xml><?xml version="1.0" encoding="utf-8"?>
+<p:sld xmlns:a="http://schemas.openxmlformats.org/drawingml/2006/main" xmlns:r="http://schemas.openxmlformats.org/officeDocument/2006/relationships" xmlns:p="http://schemas.openxmlformats.org/presentationml/2006/main">
+  <p:cSld>
+    <p:spTree>
+      <p:nvGrpSpPr>
+        <p:cNvPr id="1" name=""/>
+        <p:cNvGrpSpPr/>
+        <p:nvPr/>
+      </p:nvGrpSpPr>
+      <p:grpSpPr>
+        <a:xfrm>
+          <a:off x="0" y="0"/>
+          <a:ext cx="0" cy="0"/>
+          <a:chOff x="0" y="0"/>
+          <a:chExt cx="0" cy="0"/>
+        </a:xfrm>
+      </p:grpSpPr>
+      <p:sp>
+        <p:nvSpPr>
+          <p:cNvPr id="2" name="Номер слайда 1"/>
+          <p:cNvSpPr>
+            <a:spLocks noGrp="1"/>
+          </p:cNvSpPr>
+          <p:nvPr>
+            <p:ph type="sldNum" idx="12"/>
+          </p:nvPr>
+        </p:nvSpPr>
+        <p:spPr/>
+        <p:txBody>
+          <a:bodyPr/>
+          <a:lstStyle/>
+          <a:p>
+            <a:pPr marL="0" lvl="0" indent="0" algn="l" rtl="0">
+              <a:spcBef>
+                <a:spcPts val="0"/>
+              </a:spcBef>
+              <a:spcAft>
+                <a:spcPts val="0"/>
+              </a:spcAft>
+              <a:buNone/>
+            </a:pPr>
+            <a:fld id="{00000000-1234-1234-1234-123412341234}" type="slidenum">
+              <a:rPr lang="ru-RU" smtClean="0"/>
+              <a:t>14</a:t>
             </a:fld>
             <a:endParaRPr lang="ru-RU" dirty="0"/>
           </a:p>
@@ -9477,10 +9992,17 @@
       </p:transition>
     </mc:Fallback>
   </mc:AlternateContent>
+  <p:timing>
+    <p:tnLst>
+      <p:par>
+        <p:cTn id="1" dur="indefinite" restart="never" nodeType="tmRoot"/>
+      </p:par>
+    </p:tnLst>
+  </p:timing>
 </p:sld>
 </file>
 
-<file path=ppt/slides/slide14.xml><?xml version="1.0" encoding="utf-8"?>
+<file path=ppt/slides/slide15.xml><?xml version="1.0" encoding="utf-8"?>
 <p:sld xmlns:a="http://schemas.openxmlformats.org/drawingml/2006/main" xmlns:r="http://schemas.openxmlformats.org/officeDocument/2006/relationships" xmlns:p="http://schemas.openxmlformats.org/presentationml/2006/main">
   <p:cSld>
     <p:spTree>
@@ -10753,27 +11275,8 @@
                 <a:ea typeface="Open Sans"/>
                 <a:cs typeface="ALS Sector Regular" panose="02000000000000000000" pitchFamily="2" charset="0"/>
               </a:rPr>
-              <a:t>Провести разведочный анализ </a:t>
+              <a:t>Провести разведочный анализ данных и предобработку данных</a:t>
             </a:r>
-            <a:r>
-              <a:rPr lang="ru-RU" sz="1600" b="1" dirty="0">
-                <a:solidFill>
-                  <a:srgbClr val="262626"/>
-                </a:solidFill>
-                <a:latin typeface="ALS Sector Regular" panose="02000000000000000000" pitchFamily="2" charset="0"/>
-                <a:ea typeface="Open Sans"/>
-                <a:cs typeface="ALS Sector Regular" panose="02000000000000000000" pitchFamily="2" charset="0"/>
-              </a:rPr>
-              <a:t>данных и предобработку данных</a:t>
-            </a:r>
-            <a:endParaRPr lang="ru-RU" sz="1600" b="1" dirty="0">
-              <a:solidFill>
-                <a:srgbClr val="262626"/>
-              </a:solidFill>
-              <a:latin typeface="ALS Sector Regular" panose="02000000000000000000" pitchFamily="2" charset="0"/>
-              <a:ea typeface="Open Sans"/>
-              <a:cs typeface="ALS Sector Regular" panose="02000000000000000000" pitchFamily="2" charset="0"/>
-            </a:endParaRPr>
           </a:p>
         </p:txBody>
       </p:sp>
@@ -11325,7 +11828,6 @@
               <a:rPr lang="ru-RU" dirty="0"/>
               <a:t>Алгоритм прохождения цепочки поставки до момента поступления на СВХ с применением автоматизированных методик</a:t>
             </a:r>
-            <a:endParaRPr lang="ru-RU" dirty="0"/>
           </a:p>
         </p:txBody>
       </p:sp>
@@ -13667,14 +14169,6 @@
               </a:rPr>
               <a:t>Выбросов нет</a:t>
             </a:r>
-            <a:endParaRPr lang="ru-RU" sz="1800" dirty="0">
-              <a:solidFill>
-                <a:srgbClr val="F1BE29"/>
-              </a:solidFill>
-              <a:latin typeface="ALS Sector Regular" panose="02000000000000000000" pitchFamily="2" charset="0"/>
-              <a:ea typeface="Open Sans"/>
-              <a:cs typeface="ALS Sector Regular" panose="02000000000000000000" pitchFamily="2" charset="0"/>
-            </a:endParaRPr>
           </a:p>
         </p:txBody>
       </p:sp>
@@ -13717,14 +14211,6 @@
               </a:rPr>
               <a:t>Выбросов нет</a:t>
             </a:r>
-            <a:endParaRPr lang="ru-RU" sz="1800" dirty="0">
-              <a:solidFill>
-                <a:srgbClr val="F1BE29"/>
-              </a:solidFill>
-              <a:latin typeface="ALS Sector Regular" panose="02000000000000000000" pitchFamily="2" charset="0"/>
-              <a:ea typeface="Open Sans"/>
-              <a:cs typeface="ALS Sector Regular" panose="02000000000000000000" pitchFamily="2" charset="0"/>
-            </a:endParaRPr>
           </a:p>
         </p:txBody>
       </p:sp>
@@ -13873,14 +14359,6 @@
                 </a:rPr>
                 <a:t>Диаграммы «ящик с усами»</a:t>
               </a:r>
-              <a:endParaRPr lang="ru-RU" sz="2800" dirty="0">
-                <a:solidFill>
-                  <a:schemeClr val="tx2">
-                    <a:lumMod val="90000"/>
-                    <a:lumOff val="10000"/>
-                  </a:schemeClr>
-                </a:solidFill>
-              </a:endParaRPr>
             </a:p>
           </p:txBody>
         </p:sp>
@@ -14787,31 +15265,7 @@
                 <a:cs typeface="Open Sans"/>
                 <a:sym typeface="Open Sans"/>
               </a:rPr>
-              <a:t>. Исходя из этого можно сделать вывод, что наблюдается </a:t>
-            </a:r>
-            <a:r>
-              <a:rPr lang="ru-RU" sz="1800" i="1" dirty="0">
-                <a:solidFill>
-                  <a:schemeClr val="tx1"/>
-                </a:solidFill>
-                <a:latin typeface="Open Sans"/>
-                <a:ea typeface="Open Sans"/>
-                <a:cs typeface="Open Sans"/>
-                <a:sym typeface="Open Sans"/>
-              </a:rPr>
-              <a:t>сильная </a:t>
-            </a:r>
-            <a:r>
-              <a:rPr lang="ru-RU" sz="1800" i="1" dirty="0">
-                <a:solidFill>
-                  <a:schemeClr val="tx1"/>
-                </a:solidFill>
-                <a:latin typeface="Open Sans"/>
-                <a:ea typeface="Open Sans"/>
-                <a:cs typeface="Open Sans"/>
-                <a:sym typeface="Open Sans"/>
-              </a:rPr>
-              <a:t>корреляция, переменные являются зависимыми.</a:t>
+              <a:t>. Исходя из этого можно сделать вывод, что наблюдается сильная корреляция, переменные являются зависимыми.</a:t>
             </a:r>
           </a:p>
           <a:p>
